--- a/Article/리뷰/공부리뷰/개정판_어떻게파이썬을공부할것인가/img/img.pptx
+++ b/Article/리뷰/공부리뷰/개정판_어떻게파이썬을공부할것인가/img/img.pptx
@@ -7,6 +7,15 @@
   <p:sldIdLst>
     <p:sldId id="259" r:id="rId2"/>
     <p:sldId id="256" r:id="rId3"/>
+    <p:sldId id="260" r:id="rId4"/>
+    <p:sldId id="261" r:id="rId5"/>
+    <p:sldId id="262" r:id="rId6"/>
+    <p:sldId id="263" r:id="rId7"/>
+    <p:sldId id="264" r:id="rId8"/>
+    <p:sldId id="265" r:id="rId9"/>
+    <p:sldId id="266" r:id="rId10"/>
+    <p:sldId id="267" r:id="rId11"/>
+    <p:sldId id="268" r:id="rId12"/>
   </p:sldIdLst>
   <p:sldSz cx="12192000" cy="6858000"/>
   <p:notesSz cx="6858000" cy="9144000"/>
@@ -260,7 +269,7 @@
           <a:p>
             <a:fld id="{B0219534-1660-49BA-AC28-69770E53DE4D}" type="datetimeFigureOut">
               <a:rPr lang="ko-KR" altLang="en-US" smtClean="0"/>
-              <a:t>2020-12-30</a:t>
+              <a:t>2020-12-31</a:t>
             </a:fld>
             <a:endParaRPr lang="ko-KR" altLang="en-US"/>
           </a:p>
@@ -458,7 +467,7 @@
           <a:p>
             <a:fld id="{B0219534-1660-49BA-AC28-69770E53DE4D}" type="datetimeFigureOut">
               <a:rPr lang="ko-KR" altLang="en-US" smtClean="0"/>
-              <a:t>2020-12-30</a:t>
+              <a:t>2020-12-31</a:t>
             </a:fld>
             <a:endParaRPr lang="ko-KR" altLang="en-US"/>
           </a:p>
@@ -666,7 +675,7 @@
           <a:p>
             <a:fld id="{B0219534-1660-49BA-AC28-69770E53DE4D}" type="datetimeFigureOut">
               <a:rPr lang="ko-KR" altLang="en-US" smtClean="0"/>
-              <a:t>2020-12-30</a:t>
+              <a:t>2020-12-31</a:t>
             </a:fld>
             <a:endParaRPr lang="ko-KR" altLang="en-US"/>
           </a:p>
@@ -864,7 +873,7 @@
           <a:p>
             <a:fld id="{B0219534-1660-49BA-AC28-69770E53DE4D}" type="datetimeFigureOut">
               <a:rPr lang="ko-KR" altLang="en-US" smtClean="0"/>
-              <a:t>2020-12-30</a:t>
+              <a:t>2020-12-31</a:t>
             </a:fld>
             <a:endParaRPr lang="ko-KR" altLang="en-US"/>
           </a:p>
@@ -1139,7 +1148,7 @@
           <a:p>
             <a:fld id="{B0219534-1660-49BA-AC28-69770E53DE4D}" type="datetimeFigureOut">
               <a:rPr lang="ko-KR" altLang="en-US" smtClean="0"/>
-              <a:t>2020-12-30</a:t>
+              <a:t>2020-12-31</a:t>
             </a:fld>
             <a:endParaRPr lang="ko-KR" altLang="en-US"/>
           </a:p>
@@ -1404,7 +1413,7 @@
           <a:p>
             <a:fld id="{B0219534-1660-49BA-AC28-69770E53DE4D}" type="datetimeFigureOut">
               <a:rPr lang="ko-KR" altLang="en-US" smtClean="0"/>
-              <a:t>2020-12-30</a:t>
+              <a:t>2020-12-31</a:t>
             </a:fld>
             <a:endParaRPr lang="ko-KR" altLang="en-US"/>
           </a:p>
@@ -1816,7 +1825,7 @@
           <a:p>
             <a:fld id="{B0219534-1660-49BA-AC28-69770E53DE4D}" type="datetimeFigureOut">
               <a:rPr lang="ko-KR" altLang="en-US" smtClean="0"/>
-              <a:t>2020-12-30</a:t>
+              <a:t>2020-12-31</a:t>
             </a:fld>
             <a:endParaRPr lang="ko-KR" altLang="en-US"/>
           </a:p>
@@ -1957,7 +1966,7 @@
           <a:p>
             <a:fld id="{B0219534-1660-49BA-AC28-69770E53DE4D}" type="datetimeFigureOut">
               <a:rPr lang="ko-KR" altLang="en-US" smtClean="0"/>
-              <a:t>2020-12-30</a:t>
+              <a:t>2020-12-31</a:t>
             </a:fld>
             <a:endParaRPr lang="ko-KR" altLang="en-US"/>
           </a:p>
@@ -2070,7 +2079,7 @@
           <a:p>
             <a:fld id="{B0219534-1660-49BA-AC28-69770E53DE4D}" type="datetimeFigureOut">
               <a:rPr lang="ko-KR" altLang="en-US" smtClean="0"/>
-              <a:t>2020-12-30</a:t>
+              <a:t>2020-12-31</a:t>
             </a:fld>
             <a:endParaRPr lang="ko-KR" altLang="en-US"/>
           </a:p>
@@ -2381,7 +2390,7 @@
           <a:p>
             <a:fld id="{B0219534-1660-49BA-AC28-69770E53DE4D}" type="datetimeFigureOut">
               <a:rPr lang="ko-KR" altLang="en-US" smtClean="0"/>
-              <a:t>2020-12-30</a:t>
+              <a:t>2020-12-31</a:t>
             </a:fld>
             <a:endParaRPr lang="ko-KR" altLang="en-US"/>
           </a:p>
@@ -2669,7 +2678,7 @@
           <a:p>
             <a:fld id="{B0219534-1660-49BA-AC28-69770E53DE4D}" type="datetimeFigureOut">
               <a:rPr lang="ko-KR" altLang="en-US" smtClean="0"/>
-              <a:t>2020-12-30</a:t>
+              <a:t>2020-12-31</a:t>
             </a:fld>
             <a:endParaRPr lang="ko-KR" altLang="en-US"/>
           </a:p>
@@ -2910,7 +2919,7 @@
           <a:p>
             <a:fld id="{B0219534-1660-49BA-AC28-69770E53DE4D}" type="datetimeFigureOut">
               <a:rPr lang="ko-KR" altLang="en-US" smtClean="0"/>
-              <a:t>2020-12-30</a:t>
+              <a:t>2020-12-31</a:t>
             </a:fld>
             <a:endParaRPr lang="ko-KR" altLang="en-US"/>
           </a:p>
@@ -3628,7 +3637,7 @@
 </p:sld>
 </file>
 
-<file path=ppt/slides/slide2.xml><?xml version="1.0" encoding="utf-8"?>
+<file path=ppt/slides/slide10.xml><?xml version="1.0" encoding="utf-8"?>
 <p:sld xmlns:a="http://schemas.openxmlformats.org/drawingml/2006/main" xmlns:r="http://schemas.openxmlformats.org/officeDocument/2006/relationships" xmlns:p="http://schemas.openxmlformats.org/presentationml/2006/main">
   <p:cSld>
     <p:spTree>
@@ -3648,7 +3657,604 @@
     </p:spTree>
     <p:extLst>
       <p:ext uri="{BB962C8B-B14F-4D97-AF65-F5344CB8AC3E}">
+        <p14:creationId xmlns:p14="http://schemas.microsoft.com/office/powerpoint/2010/main" val="3145355281"/>
+      </p:ext>
+    </p:extLst>
+  </p:cSld>
+  <p:clrMapOvr>
+    <a:masterClrMapping/>
+  </p:clrMapOvr>
+</p:sld>
+</file>
+
+<file path=ppt/slides/slide11.xml><?xml version="1.0" encoding="utf-8"?>
+<p:sld xmlns:a="http://schemas.openxmlformats.org/drawingml/2006/main" xmlns:r="http://schemas.openxmlformats.org/officeDocument/2006/relationships" xmlns:p="http://schemas.openxmlformats.org/presentationml/2006/main">
+  <p:cSld>
+    <p:spTree>
+      <p:nvGrpSpPr>
+        <p:cNvPr id="1" name=""/>
+        <p:cNvGrpSpPr/>
+        <p:nvPr/>
+      </p:nvGrpSpPr>
+      <p:grpSpPr>
+        <a:xfrm>
+          <a:off x="0" y="0"/>
+          <a:ext cx="0" cy="0"/>
+          <a:chOff x="0" y="0"/>
+          <a:chExt cx="0" cy="0"/>
+        </a:xfrm>
+      </p:grpSpPr>
+    </p:spTree>
+    <p:extLst>
+      <p:ext uri="{BB962C8B-B14F-4D97-AF65-F5344CB8AC3E}">
+        <p14:creationId xmlns:p14="http://schemas.microsoft.com/office/powerpoint/2010/main" val="1555588506"/>
+      </p:ext>
+    </p:extLst>
+  </p:cSld>
+  <p:clrMapOvr>
+    <a:masterClrMapping/>
+  </p:clrMapOvr>
+</p:sld>
+</file>
+
+<file path=ppt/slides/slide2.xml><?xml version="1.0" encoding="utf-8"?>
+<p:sld xmlns:a="http://schemas.openxmlformats.org/drawingml/2006/main" xmlns:r="http://schemas.openxmlformats.org/officeDocument/2006/relationships" xmlns:p="http://schemas.openxmlformats.org/presentationml/2006/main">
+  <p:cSld>
+    <p:spTree>
+      <p:nvGrpSpPr>
+        <p:cNvPr id="1" name=""/>
+        <p:cNvGrpSpPr/>
+        <p:nvPr/>
+      </p:nvGrpSpPr>
+      <p:grpSpPr>
+        <a:xfrm>
+          <a:off x="0" y="0"/>
+          <a:ext cx="0" cy="0"/>
+          <a:chOff x="0" y="0"/>
+          <a:chExt cx="0" cy="0"/>
+        </a:xfrm>
+      </p:grpSpPr>
+      <p:pic>
+        <p:nvPicPr>
+          <p:cNvPr id="3" name="그림 2">
+            <a:extLst>
+              <a:ext uri="{FF2B5EF4-FFF2-40B4-BE49-F238E27FC236}">
+                <a16:creationId xmlns:a16="http://schemas.microsoft.com/office/drawing/2014/main" id="{C43129B2-A174-435B-AFDB-95BABD209E24}"/>
+              </a:ext>
+            </a:extLst>
+          </p:cNvPr>
+          <p:cNvPicPr>
+            <a:picLocks noChangeAspect="1"/>
+          </p:cNvPicPr>
+          <p:nvPr/>
+        </p:nvPicPr>
+        <p:blipFill>
+          <a:blip r:embed="rId2"/>
+          <a:stretch>
+            <a:fillRect/>
+          </a:stretch>
+        </p:blipFill>
+        <p:spPr>
+          <a:xfrm>
+            <a:off x="0" y="616805"/>
+            <a:ext cx="12192000" cy="5624390"/>
+          </a:xfrm>
+          <a:prstGeom prst="rect">
+            <a:avLst/>
+          </a:prstGeom>
+        </p:spPr>
+      </p:pic>
+      <p:sp>
+        <p:nvSpPr>
+          <p:cNvPr id="4" name="직사각형 3">
+            <a:extLst>
+              <a:ext uri="{FF2B5EF4-FFF2-40B4-BE49-F238E27FC236}">
+                <a16:creationId xmlns:a16="http://schemas.microsoft.com/office/drawing/2014/main" id="{C4E55B1F-9739-4780-A0E0-B125DD6A74F6}"/>
+              </a:ext>
+            </a:extLst>
+          </p:cNvPr>
+          <p:cNvSpPr/>
+          <p:nvPr/>
+        </p:nvSpPr>
+        <p:spPr>
+          <a:xfrm>
+            <a:off x="8910735" y="4646645"/>
+            <a:ext cx="3163077" cy="1594550"/>
+          </a:xfrm>
+          <a:prstGeom prst="rect">
+            <a:avLst/>
+          </a:prstGeom>
+          <a:solidFill>
+            <a:srgbClr val="F9F9F9"/>
+          </a:solidFill>
+          <a:ln>
+            <a:noFill/>
+          </a:ln>
+        </p:spPr>
+        <p:style>
+          <a:lnRef idx="2">
+            <a:schemeClr val="accent1">
+              <a:shade val="50000"/>
+            </a:schemeClr>
+          </a:lnRef>
+          <a:fillRef idx="1">
+            <a:schemeClr val="accent1"/>
+          </a:fillRef>
+          <a:effectRef idx="0">
+            <a:schemeClr val="accent1"/>
+          </a:effectRef>
+          <a:fontRef idx="minor">
+            <a:schemeClr val="lt1"/>
+          </a:fontRef>
+        </p:style>
+        <p:txBody>
+          <a:bodyPr rtlCol="0" anchor="ctr"/>
+          <a:lstStyle/>
+          <a:p>
+            <a:pPr algn="ctr"/>
+            <a:endParaRPr lang="ko-KR" altLang="en-US"/>
+          </a:p>
+        </p:txBody>
+      </p:sp>
+      <p:sp>
+        <p:nvSpPr>
+          <p:cNvPr id="5" name="직사각형 4">
+            <a:extLst>
+              <a:ext uri="{FF2B5EF4-FFF2-40B4-BE49-F238E27FC236}">
+                <a16:creationId xmlns:a16="http://schemas.microsoft.com/office/drawing/2014/main" id="{8211BF89-3E3E-4DE3-B730-B165BAF23C86}"/>
+              </a:ext>
+            </a:extLst>
+          </p:cNvPr>
+          <p:cNvSpPr/>
+          <p:nvPr/>
+        </p:nvSpPr>
+        <p:spPr>
+          <a:xfrm>
+            <a:off x="6288833" y="5561044"/>
+            <a:ext cx="3163077" cy="222950"/>
+          </a:xfrm>
+          <a:prstGeom prst="rect">
+            <a:avLst/>
+          </a:prstGeom>
+          <a:solidFill>
+            <a:srgbClr val="F9F9F9"/>
+          </a:solidFill>
+          <a:ln>
+            <a:noFill/>
+          </a:ln>
+        </p:spPr>
+        <p:style>
+          <a:lnRef idx="2">
+            <a:schemeClr val="accent1">
+              <a:shade val="50000"/>
+            </a:schemeClr>
+          </a:lnRef>
+          <a:fillRef idx="1">
+            <a:schemeClr val="accent1"/>
+          </a:fillRef>
+          <a:effectRef idx="0">
+            <a:schemeClr val="accent1"/>
+          </a:effectRef>
+          <a:fontRef idx="minor">
+            <a:schemeClr val="lt1"/>
+          </a:fontRef>
+        </p:style>
+        <p:txBody>
+          <a:bodyPr rtlCol="0" anchor="ctr"/>
+          <a:lstStyle/>
+          <a:p>
+            <a:pPr algn="ctr"/>
+            <a:endParaRPr lang="ko-KR" altLang="en-US"/>
+          </a:p>
+        </p:txBody>
+      </p:sp>
+    </p:spTree>
+    <p:extLst>
+      <p:ext uri="{BB962C8B-B14F-4D97-AF65-F5344CB8AC3E}">
         <p14:creationId xmlns:p14="http://schemas.microsoft.com/office/powerpoint/2010/main" val="3286051714"/>
+      </p:ext>
+    </p:extLst>
+  </p:cSld>
+  <p:clrMapOvr>
+    <a:masterClrMapping/>
+  </p:clrMapOvr>
+</p:sld>
+</file>
+
+<file path=ppt/slides/slide3.xml><?xml version="1.0" encoding="utf-8"?>
+<p:sld xmlns:a="http://schemas.openxmlformats.org/drawingml/2006/main" xmlns:r="http://schemas.openxmlformats.org/officeDocument/2006/relationships" xmlns:p="http://schemas.openxmlformats.org/presentationml/2006/main">
+  <p:cSld>
+    <p:spTree>
+      <p:nvGrpSpPr>
+        <p:cNvPr id="1" name=""/>
+        <p:cNvGrpSpPr/>
+        <p:nvPr/>
+      </p:nvGrpSpPr>
+      <p:grpSpPr>
+        <a:xfrm>
+          <a:off x="0" y="0"/>
+          <a:ext cx="0" cy="0"/>
+          <a:chOff x="0" y="0"/>
+          <a:chExt cx="0" cy="0"/>
+        </a:xfrm>
+      </p:grpSpPr>
+      <p:pic>
+        <p:nvPicPr>
+          <p:cNvPr id="5" name="그림 4">
+            <a:extLst>
+              <a:ext uri="{FF2B5EF4-FFF2-40B4-BE49-F238E27FC236}">
+                <a16:creationId xmlns:a16="http://schemas.microsoft.com/office/drawing/2014/main" id="{FEBD7E10-B0F6-4100-81E3-D1A088CAD0DB}"/>
+              </a:ext>
+            </a:extLst>
+          </p:cNvPr>
+          <p:cNvPicPr>
+            <a:picLocks noChangeAspect="1"/>
+          </p:cNvPicPr>
+          <p:nvPr/>
+        </p:nvPicPr>
+        <p:blipFill rotWithShape="1">
+          <a:blip r:embed="rId2"/>
+          <a:srcRect b="5194"/>
+          <a:stretch/>
+        </p:blipFill>
+        <p:spPr>
+          <a:xfrm>
+            <a:off x="0" y="612494"/>
+            <a:ext cx="12192000" cy="5340438"/>
+          </a:xfrm>
+          <a:prstGeom prst="rect">
+            <a:avLst/>
+          </a:prstGeom>
+        </p:spPr>
+      </p:pic>
+      <p:sp>
+        <p:nvSpPr>
+          <p:cNvPr id="6" name="직사각형 5">
+            <a:extLst>
+              <a:ext uri="{FF2B5EF4-FFF2-40B4-BE49-F238E27FC236}">
+                <a16:creationId xmlns:a16="http://schemas.microsoft.com/office/drawing/2014/main" id="{635A097E-75EF-460C-8E83-75FF91639468}"/>
+              </a:ext>
+            </a:extLst>
+          </p:cNvPr>
+          <p:cNvSpPr/>
+          <p:nvPr/>
+        </p:nvSpPr>
+        <p:spPr>
+          <a:xfrm>
+            <a:off x="9028923" y="612493"/>
+            <a:ext cx="3163077" cy="5340437"/>
+          </a:xfrm>
+          <a:prstGeom prst="rect">
+            <a:avLst/>
+          </a:prstGeom>
+          <a:solidFill>
+            <a:srgbClr val="F9F9F9"/>
+          </a:solidFill>
+          <a:ln>
+            <a:noFill/>
+          </a:ln>
+        </p:spPr>
+        <p:style>
+          <a:lnRef idx="2">
+            <a:schemeClr val="accent1">
+              <a:shade val="50000"/>
+            </a:schemeClr>
+          </a:lnRef>
+          <a:fillRef idx="1">
+            <a:schemeClr val="accent1"/>
+          </a:fillRef>
+          <a:effectRef idx="0">
+            <a:schemeClr val="accent1"/>
+          </a:effectRef>
+          <a:fontRef idx="minor">
+            <a:schemeClr val="lt1"/>
+          </a:fontRef>
+        </p:style>
+        <p:txBody>
+          <a:bodyPr rtlCol="0" anchor="ctr"/>
+          <a:lstStyle/>
+          <a:p>
+            <a:pPr algn="ctr"/>
+            <a:endParaRPr lang="ko-KR" altLang="en-US"/>
+          </a:p>
+        </p:txBody>
+      </p:sp>
+      <p:sp>
+        <p:nvSpPr>
+          <p:cNvPr id="7" name="직사각형 6">
+            <a:extLst>
+              <a:ext uri="{FF2B5EF4-FFF2-40B4-BE49-F238E27FC236}">
+                <a16:creationId xmlns:a16="http://schemas.microsoft.com/office/drawing/2014/main" id="{63E49AB6-9299-47A5-BC06-4A965E601662}"/>
+              </a:ext>
+            </a:extLst>
+          </p:cNvPr>
+          <p:cNvSpPr/>
+          <p:nvPr/>
+        </p:nvSpPr>
+        <p:spPr>
+          <a:xfrm>
+            <a:off x="6288833" y="5589037"/>
+            <a:ext cx="3163077" cy="222950"/>
+          </a:xfrm>
+          <a:prstGeom prst="rect">
+            <a:avLst/>
+          </a:prstGeom>
+          <a:solidFill>
+            <a:srgbClr val="F9F9F9"/>
+          </a:solidFill>
+          <a:ln>
+            <a:noFill/>
+          </a:ln>
+        </p:spPr>
+        <p:style>
+          <a:lnRef idx="2">
+            <a:schemeClr val="accent1">
+              <a:shade val="50000"/>
+            </a:schemeClr>
+          </a:lnRef>
+          <a:fillRef idx="1">
+            <a:schemeClr val="accent1"/>
+          </a:fillRef>
+          <a:effectRef idx="0">
+            <a:schemeClr val="accent1"/>
+          </a:effectRef>
+          <a:fontRef idx="minor">
+            <a:schemeClr val="lt1"/>
+          </a:fontRef>
+        </p:style>
+        <p:txBody>
+          <a:bodyPr rtlCol="0" anchor="ctr"/>
+          <a:lstStyle/>
+          <a:p>
+            <a:pPr algn="ctr"/>
+            <a:endParaRPr lang="ko-KR" altLang="en-US"/>
+          </a:p>
+        </p:txBody>
+      </p:sp>
+    </p:spTree>
+    <p:extLst>
+      <p:ext uri="{BB962C8B-B14F-4D97-AF65-F5344CB8AC3E}">
+        <p14:creationId xmlns:p14="http://schemas.microsoft.com/office/powerpoint/2010/main" val="4258961201"/>
+      </p:ext>
+    </p:extLst>
+  </p:cSld>
+  <p:clrMapOvr>
+    <a:masterClrMapping/>
+  </p:clrMapOvr>
+</p:sld>
+</file>
+
+<file path=ppt/slides/slide4.xml><?xml version="1.0" encoding="utf-8"?>
+<p:sld xmlns:a="http://schemas.openxmlformats.org/drawingml/2006/main" xmlns:r="http://schemas.openxmlformats.org/officeDocument/2006/relationships" xmlns:p="http://schemas.openxmlformats.org/presentationml/2006/main">
+  <p:cSld>
+    <p:spTree>
+      <p:nvGrpSpPr>
+        <p:cNvPr id="1" name=""/>
+        <p:cNvGrpSpPr/>
+        <p:nvPr/>
+      </p:nvGrpSpPr>
+      <p:grpSpPr>
+        <a:xfrm>
+          <a:off x="0" y="0"/>
+          <a:ext cx="0" cy="0"/>
+          <a:chOff x="0" y="0"/>
+          <a:chExt cx="0" cy="0"/>
+        </a:xfrm>
+      </p:grpSpPr>
+      <p:pic>
+        <p:nvPicPr>
+          <p:cNvPr id="3" name="그림 2">
+            <a:extLst>
+              <a:ext uri="{FF2B5EF4-FFF2-40B4-BE49-F238E27FC236}">
+                <a16:creationId xmlns:a16="http://schemas.microsoft.com/office/drawing/2014/main" id="{C4FA64EB-653C-463A-B175-A3DD2D8F19C0}"/>
+              </a:ext>
+            </a:extLst>
+          </p:cNvPr>
+          <p:cNvPicPr>
+            <a:picLocks noChangeAspect="1"/>
+          </p:cNvPicPr>
+          <p:nvPr/>
+        </p:nvPicPr>
+        <p:blipFill>
+          <a:blip r:embed="rId2"/>
+          <a:stretch>
+            <a:fillRect/>
+          </a:stretch>
+        </p:blipFill>
+        <p:spPr>
+          <a:xfrm>
+            <a:off x="587022" y="375355"/>
+            <a:ext cx="10857403" cy="6107289"/>
+          </a:xfrm>
+          <a:prstGeom prst="rect">
+            <a:avLst/>
+          </a:prstGeom>
+        </p:spPr>
+      </p:pic>
+    </p:spTree>
+    <p:extLst>
+      <p:ext uri="{BB962C8B-B14F-4D97-AF65-F5344CB8AC3E}">
+        <p14:creationId xmlns:p14="http://schemas.microsoft.com/office/powerpoint/2010/main" val="1321812164"/>
+      </p:ext>
+    </p:extLst>
+  </p:cSld>
+  <p:clrMapOvr>
+    <a:masterClrMapping/>
+  </p:clrMapOvr>
+</p:sld>
+</file>
+
+<file path=ppt/slides/slide5.xml><?xml version="1.0" encoding="utf-8"?>
+<p:sld xmlns:a="http://schemas.openxmlformats.org/drawingml/2006/main" xmlns:r="http://schemas.openxmlformats.org/officeDocument/2006/relationships" xmlns:p="http://schemas.openxmlformats.org/presentationml/2006/main">
+  <p:cSld>
+    <p:spTree>
+      <p:nvGrpSpPr>
+        <p:cNvPr id="1" name=""/>
+        <p:cNvGrpSpPr/>
+        <p:nvPr/>
+      </p:nvGrpSpPr>
+      <p:grpSpPr>
+        <a:xfrm>
+          <a:off x="0" y="0"/>
+          <a:ext cx="0" cy="0"/>
+          <a:chOff x="0" y="0"/>
+          <a:chExt cx="0" cy="0"/>
+        </a:xfrm>
+      </p:grpSpPr>
+      <p:pic>
+        <p:nvPicPr>
+          <p:cNvPr id="3" name="그림 2">
+            <a:extLst>
+              <a:ext uri="{FF2B5EF4-FFF2-40B4-BE49-F238E27FC236}">
+                <a16:creationId xmlns:a16="http://schemas.microsoft.com/office/drawing/2014/main" id="{FED554E8-E7CB-4E7C-9D93-FEC9E2F428CA}"/>
+              </a:ext>
+            </a:extLst>
+          </p:cNvPr>
+          <p:cNvPicPr>
+            <a:picLocks noChangeAspect="1"/>
+          </p:cNvPicPr>
+          <p:nvPr/>
+        </p:nvPicPr>
+        <p:blipFill>
+          <a:blip r:embed="rId2"/>
+          <a:stretch>
+            <a:fillRect/>
+          </a:stretch>
+        </p:blipFill>
+        <p:spPr>
+          <a:xfrm>
+            <a:off x="1931437" y="1156996"/>
+            <a:ext cx="8078236" cy="4544008"/>
+          </a:xfrm>
+          <a:prstGeom prst="rect">
+            <a:avLst/>
+          </a:prstGeom>
+        </p:spPr>
+      </p:pic>
+    </p:spTree>
+    <p:extLst>
+      <p:ext uri="{BB962C8B-B14F-4D97-AF65-F5344CB8AC3E}">
+        <p14:creationId xmlns:p14="http://schemas.microsoft.com/office/powerpoint/2010/main" val="3698631260"/>
+      </p:ext>
+    </p:extLst>
+  </p:cSld>
+  <p:clrMapOvr>
+    <a:masterClrMapping/>
+  </p:clrMapOvr>
+</p:sld>
+</file>
+
+<file path=ppt/slides/slide6.xml><?xml version="1.0" encoding="utf-8"?>
+<p:sld xmlns:a="http://schemas.openxmlformats.org/drawingml/2006/main" xmlns:r="http://schemas.openxmlformats.org/officeDocument/2006/relationships" xmlns:p="http://schemas.openxmlformats.org/presentationml/2006/main">
+  <p:cSld>
+    <p:spTree>
+      <p:nvGrpSpPr>
+        <p:cNvPr id="1" name=""/>
+        <p:cNvGrpSpPr/>
+        <p:nvPr/>
+      </p:nvGrpSpPr>
+      <p:grpSpPr>
+        <a:xfrm>
+          <a:off x="0" y="0"/>
+          <a:ext cx="0" cy="0"/>
+          <a:chOff x="0" y="0"/>
+          <a:chExt cx="0" cy="0"/>
+        </a:xfrm>
+      </p:grpSpPr>
+    </p:spTree>
+    <p:extLst>
+      <p:ext uri="{BB962C8B-B14F-4D97-AF65-F5344CB8AC3E}">
+        <p14:creationId xmlns:p14="http://schemas.microsoft.com/office/powerpoint/2010/main" val="2514758719"/>
+      </p:ext>
+    </p:extLst>
+  </p:cSld>
+  <p:clrMapOvr>
+    <a:masterClrMapping/>
+  </p:clrMapOvr>
+</p:sld>
+</file>
+
+<file path=ppt/slides/slide7.xml><?xml version="1.0" encoding="utf-8"?>
+<p:sld xmlns:a="http://schemas.openxmlformats.org/drawingml/2006/main" xmlns:r="http://schemas.openxmlformats.org/officeDocument/2006/relationships" xmlns:p="http://schemas.openxmlformats.org/presentationml/2006/main">
+  <p:cSld>
+    <p:spTree>
+      <p:nvGrpSpPr>
+        <p:cNvPr id="1" name=""/>
+        <p:cNvGrpSpPr/>
+        <p:nvPr/>
+      </p:nvGrpSpPr>
+      <p:grpSpPr>
+        <a:xfrm>
+          <a:off x="0" y="0"/>
+          <a:ext cx="0" cy="0"/>
+          <a:chOff x="0" y="0"/>
+          <a:chExt cx="0" cy="0"/>
+        </a:xfrm>
+      </p:grpSpPr>
+    </p:spTree>
+    <p:extLst>
+      <p:ext uri="{BB962C8B-B14F-4D97-AF65-F5344CB8AC3E}">
+        <p14:creationId xmlns:p14="http://schemas.microsoft.com/office/powerpoint/2010/main" val="2473185828"/>
+      </p:ext>
+    </p:extLst>
+  </p:cSld>
+  <p:clrMapOvr>
+    <a:masterClrMapping/>
+  </p:clrMapOvr>
+</p:sld>
+</file>
+
+<file path=ppt/slides/slide8.xml><?xml version="1.0" encoding="utf-8"?>
+<p:sld xmlns:a="http://schemas.openxmlformats.org/drawingml/2006/main" xmlns:r="http://schemas.openxmlformats.org/officeDocument/2006/relationships" xmlns:p="http://schemas.openxmlformats.org/presentationml/2006/main">
+  <p:cSld>
+    <p:spTree>
+      <p:nvGrpSpPr>
+        <p:cNvPr id="1" name=""/>
+        <p:cNvGrpSpPr/>
+        <p:nvPr/>
+      </p:nvGrpSpPr>
+      <p:grpSpPr>
+        <a:xfrm>
+          <a:off x="0" y="0"/>
+          <a:ext cx="0" cy="0"/>
+          <a:chOff x="0" y="0"/>
+          <a:chExt cx="0" cy="0"/>
+        </a:xfrm>
+      </p:grpSpPr>
+    </p:spTree>
+    <p:extLst>
+      <p:ext uri="{BB962C8B-B14F-4D97-AF65-F5344CB8AC3E}">
+        <p14:creationId xmlns:p14="http://schemas.microsoft.com/office/powerpoint/2010/main" val="3330218363"/>
+      </p:ext>
+    </p:extLst>
+  </p:cSld>
+  <p:clrMapOvr>
+    <a:masterClrMapping/>
+  </p:clrMapOvr>
+</p:sld>
+</file>
+
+<file path=ppt/slides/slide9.xml><?xml version="1.0" encoding="utf-8"?>
+<p:sld xmlns:a="http://schemas.openxmlformats.org/drawingml/2006/main" xmlns:r="http://schemas.openxmlformats.org/officeDocument/2006/relationships" xmlns:p="http://schemas.openxmlformats.org/presentationml/2006/main">
+  <p:cSld>
+    <p:spTree>
+      <p:nvGrpSpPr>
+        <p:cNvPr id="1" name=""/>
+        <p:cNvGrpSpPr/>
+        <p:nvPr/>
+      </p:nvGrpSpPr>
+      <p:grpSpPr>
+        <a:xfrm>
+          <a:off x="0" y="0"/>
+          <a:ext cx="0" cy="0"/>
+          <a:chOff x="0" y="0"/>
+          <a:chExt cx="0" cy="0"/>
+        </a:xfrm>
+      </p:grpSpPr>
+    </p:spTree>
+    <p:extLst>
+      <p:ext uri="{BB962C8B-B14F-4D97-AF65-F5344CB8AC3E}">
+        <p14:creationId xmlns:p14="http://schemas.microsoft.com/office/powerpoint/2010/main" val="442207765"/>
       </p:ext>
     </p:extLst>
   </p:cSld>
